--- a/Presentation1.pptx
+++ b/Presentation1.pptx
@@ -9,7 +9,10 @@
     <p:sldId id="257" r:id="rId3"/>
     <p:sldId id="258" r:id="rId4"/>
     <p:sldId id="260" r:id="rId5"/>
-    <p:sldId id="261" r:id="rId6"/>
+    <p:sldId id="264" r:id="rId6"/>
+    <p:sldId id="261" r:id="rId7"/>
+    <p:sldId id="262" r:id="rId8"/>
+    <p:sldId id="263" r:id="rId9"/>
   </p:sldIdLst>
   <p:sldSz cx="12192000" cy="6858000"/>
   <p:notesSz cx="6858000" cy="9144000"/>
@@ -247,7 +250,7 @@
           <a:p>
             <a:fld id="{311ED5DF-F52C-42D6-9D61-D3CD03F694C2}" type="datetimeFigureOut">
               <a:rPr lang="en-US" smtClean="0"/>
-              <a:t>12/28/2015</a:t>
+              <a:t>1/19/2016</a:t>
             </a:fld>
             <a:endParaRPr lang="en-US"/>
           </a:p>
@@ -417,7 +420,7 @@
           <a:p>
             <a:fld id="{311ED5DF-F52C-42D6-9D61-D3CD03F694C2}" type="datetimeFigureOut">
               <a:rPr lang="en-US" smtClean="0"/>
-              <a:t>12/28/2015</a:t>
+              <a:t>1/19/2016</a:t>
             </a:fld>
             <a:endParaRPr lang="en-US"/>
           </a:p>
@@ -597,7 +600,7 @@
           <a:p>
             <a:fld id="{311ED5DF-F52C-42D6-9D61-D3CD03F694C2}" type="datetimeFigureOut">
               <a:rPr lang="en-US" smtClean="0"/>
-              <a:t>12/28/2015</a:t>
+              <a:t>1/19/2016</a:t>
             </a:fld>
             <a:endParaRPr lang="en-US"/>
           </a:p>
@@ -767,7 +770,7 @@
           <a:p>
             <a:fld id="{311ED5DF-F52C-42D6-9D61-D3CD03F694C2}" type="datetimeFigureOut">
               <a:rPr lang="en-US" smtClean="0"/>
-              <a:t>12/28/2015</a:t>
+              <a:t>1/19/2016</a:t>
             </a:fld>
             <a:endParaRPr lang="en-US"/>
           </a:p>
@@ -1013,7 +1016,7 @@
           <a:p>
             <a:fld id="{311ED5DF-F52C-42D6-9D61-D3CD03F694C2}" type="datetimeFigureOut">
               <a:rPr lang="en-US" smtClean="0"/>
-              <a:t>12/28/2015</a:t>
+              <a:t>1/19/2016</a:t>
             </a:fld>
             <a:endParaRPr lang="en-US"/>
           </a:p>
@@ -1245,7 +1248,7 @@
           <a:p>
             <a:fld id="{311ED5DF-F52C-42D6-9D61-D3CD03F694C2}" type="datetimeFigureOut">
               <a:rPr lang="en-US" smtClean="0"/>
-              <a:t>12/28/2015</a:t>
+              <a:t>1/19/2016</a:t>
             </a:fld>
             <a:endParaRPr lang="en-US"/>
           </a:p>
@@ -1612,7 +1615,7 @@
           <a:p>
             <a:fld id="{311ED5DF-F52C-42D6-9D61-D3CD03F694C2}" type="datetimeFigureOut">
               <a:rPr lang="en-US" smtClean="0"/>
-              <a:t>12/28/2015</a:t>
+              <a:t>1/19/2016</a:t>
             </a:fld>
             <a:endParaRPr lang="en-US"/>
           </a:p>
@@ -1730,7 +1733,7 @@
           <a:p>
             <a:fld id="{311ED5DF-F52C-42D6-9D61-D3CD03F694C2}" type="datetimeFigureOut">
               <a:rPr lang="en-US" smtClean="0"/>
-              <a:t>12/28/2015</a:t>
+              <a:t>1/19/2016</a:t>
             </a:fld>
             <a:endParaRPr lang="en-US"/>
           </a:p>
@@ -1825,7 +1828,7 @@
           <a:p>
             <a:fld id="{311ED5DF-F52C-42D6-9D61-D3CD03F694C2}" type="datetimeFigureOut">
               <a:rPr lang="en-US" smtClean="0"/>
-              <a:t>12/28/2015</a:t>
+              <a:t>1/19/2016</a:t>
             </a:fld>
             <a:endParaRPr lang="en-US"/>
           </a:p>
@@ -2102,7 +2105,7 @@
           <a:p>
             <a:fld id="{311ED5DF-F52C-42D6-9D61-D3CD03F694C2}" type="datetimeFigureOut">
               <a:rPr lang="en-US" smtClean="0"/>
-              <a:t>12/28/2015</a:t>
+              <a:t>1/19/2016</a:t>
             </a:fld>
             <a:endParaRPr lang="en-US"/>
           </a:p>
@@ -2355,7 +2358,7 @@
           <a:p>
             <a:fld id="{311ED5DF-F52C-42D6-9D61-D3CD03F694C2}" type="datetimeFigureOut">
               <a:rPr lang="en-US" smtClean="0"/>
-              <a:t>12/28/2015</a:t>
+              <a:t>1/19/2016</a:t>
             </a:fld>
             <a:endParaRPr lang="en-US"/>
           </a:p>
@@ -2568,7 +2571,7 @@
           <a:p>
             <a:fld id="{311ED5DF-F52C-42D6-9D61-D3CD03F694C2}" type="datetimeFigureOut">
               <a:rPr lang="en-US" smtClean="0"/>
-              <a:t>12/28/2015</a:t>
+              <a:t>1/19/2016</a:t>
             </a:fld>
             <a:endParaRPr lang="en-US"/>
           </a:p>
@@ -3170,13 +3173,13 @@
         </p:nvSpPr>
         <p:spPr>
           <a:xfrm>
-            <a:off x="809625" y="957263"/>
+            <a:off x="809625" y="964851"/>
             <a:ext cx="11582400" cy="5657850"/>
           </a:xfrm>
         </p:spPr>
         <p:txBody>
           <a:bodyPr>
-            <a:normAutofit fontScale="85000" lnSpcReduction="20000"/>
+            <a:normAutofit fontScale="92500" lnSpcReduction="20000"/>
           </a:bodyPr>
           <a:lstStyle/>
           <a:p>
@@ -3207,8 +3210,13 @@
             <a:pPr lvl="1"/>
             <a:r>
               <a:rPr lang="en-US" dirty="0"/>
-              <a:t>For the Years 2004 - 2012 inclusive.</a:t>
-            </a:r>
+              <a:t>For the Years 2004 - </a:t>
+            </a:r>
+            <a:r>
+              <a:rPr lang="en-US" dirty="0" smtClean="0"/>
+              <a:t>2012</a:t>
+            </a:r>
+            <a:endParaRPr lang="en-US" dirty="0"/>
           </a:p>
           <a:p>
             <a:r>
@@ -3260,70 +3268,87 @@
               <a:t>Several food </a:t>
             </a:r>
             <a:r>
-              <a:rPr lang="en-US" dirty="0" err="1"/>
-              <a:t>secutiy</a:t>
+              <a:rPr lang="en-US" dirty="0" smtClean="0"/>
+              <a:t>security </a:t>
             </a:r>
             <a:r>
               <a:rPr lang="en-US" dirty="0"/>
-              <a:t> factors including:</a:t>
+              <a:t>factors including:</a:t>
             </a:r>
           </a:p>
           <a:p>
             <a:pPr lvl="2"/>
             <a:r>
+              <a:rPr lang="en-US" dirty="0" smtClean="0"/>
+              <a:t>Grocery, supercenter, fast food </a:t>
+            </a:r>
+            <a:r>
               <a:rPr lang="en-US" dirty="0"/>
-              <a:t>Grocery Stores per 1000 </a:t>
-            </a:r>
-            <a:r>
-              <a:rPr lang="en-US" dirty="0" err="1"/>
-              <a:t>ppl</a:t>
+              <a:t>Stores per 1000 </a:t>
             </a:r>
             <a:r>
               <a:rPr lang="en-US" dirty="0"/>
-              <a:t> in county</a:t>
-            </a:r>
+              <a:t>people </a:t>
+            </a:r>
+            <a:r>
+              <a:rPr lang="en-US" dirty="0" smtClean="0"/>
+              <a:t>per </a:t>
+            </a:r>
+            <a:r>
+              <a:rPr lang="en-US" dirty="0" smtClean="0"/>
+              <a:t>county</a:t>
+            </a:r>
+            <a:endParaRPr lang="en-US" dirty="0"/>
           </a:p>
           <a:p>
             <a:pPr lvl="2"/>
             <a:r>
               <a:rPr lang="en-US" dirty="0"/>
-              <a:t>Grocery Store access</a:t>
+              <a:t>Grocery </a:t>
+            </a:r>
+            <a:r>
+              <a:rPr lang="en-US" dirty="0" smtClean="0"/>
+              <a:t>Store Access</a:t>
             </a:r>
           </a:p>
           <a:p>
             <a:pPr lvl="2"/>
             <a:r>
+              <a:rPr lang="en-US" dirty="0" smtClean="0"/>
+              <a:t>School Lunch Program participants</a:t>
+            </a:r>
+          </a:p>
+          <a:p>
+            <a:pPr lvl="2"/>
+            <a:r>
+              <a:rPr lang="en-US" dirty="0" smtClean="0"/>
+              <a:t>Food insecurity</a:t>
+            </a:r>
+            <a:endParaRPr lang="en-US" dirty="0"/>
+          </a:p>
+          <a:p>
+            <a:pPr lvl="2"/>
+            <a:r>
+              <a:rPr lang="en-US" dirty="0" smtClean="0"/>
+              <a:t>Expenditures </a:t>
+            </a:r>
+            <a:r>
               <a:rPr lang="en-US" dirty="0"/>
-              <a:t>Grocery Store %change from 07-12</a:t>
-            </a:r>
+              <a:t>per </a:t>
+            </a:r>
+            <a:r>
+              <a:rPr lang="en-US" dirty="0" smtClean="0"/>
+              <a:t>capita on fast food</a:t>
+            </a:r>
+            <a:endParaRPr lang="en-US" dirty="0"/>
           </a:p>
           <a:p>
             <a:pPr lvl="2"/>
             <a:r>
-              <a:rPr lang="en-US" dirty="0"/>
-              <a:t>Fast Food restaurants per 1000</a:t>
-            </a:r>
-          </a:p>
-          <a:p>
-            <a:pPr lvl="2"/>
-            <a:r>
-              <a:rPr lang="en-US" dirty="0"/>
-              <a:t>Fast Food restaurants % change</a:t>
-            </a:r>
-          </a:p>
-          <a:p>
-            <a:pPr lvl="2"/>
-            <a:r>
-              <a:rPr lang="en-US" dirty="0"/>
-              <a:t>Expenditures per capita, fast food, 2002 &amp; 2007</a:t>
-            </a:r>
-          </a:p>
-          <a:p>
-            <a:pPr lvl="2"/>
-            <a:r>
-              <a:rPr lang="en-US" dirty="0"/>
-              <a:t>Farmers' markets, 2009 &amp; 2012</a:t>
-            </a:r>
+              <a:rPr lang="en-US" dirty="0" smtClean="0"/>
+              <a:t>SNAP (food stamps) participation and applicants</a:t>
+            </a:r>
+            <a:endParaRPr lang="en-US" dirty="0"/>
           </a:p>
           <a:p>
             <a:pPr lvl="2"/>
@@ -3792,55 +3817,284 @@
         </p:nvSpPr>
         <p:spPr>
           <a:xfrm>
+            <a:off x="276225" y="127001"/>
+            <a:ext cx="9739313" cy="1077911"/>
+          </a:xfrm>
+        </p:spPr>
+        <p:txBody>
+          <a:bodyPr>
+            <a:normAutofit fontScale="90000"/>
+          </a:bodyPr>
+          <a:lstStyle/>
+          <a:p>
+            <a:r>
+              <a:rPr lang="en-US" sz="3600" dirty="0" smtClean="0"/>
+              <a:t>Fast Food per 1k Per </a:t>
+            </a:r>
+            <a:r>
+              <a:rPr lang="en-US" sz="3600" dirty="0" smtClean="0"/>
+              <a:t>County Vs Obesity Rate</a:t>
+            </a:r>
+            <a:br>
+              <a:rPr lang="en-US" sz="3600" dirty="0" smtClean="0"/>
+            </a:br>
+            <a:r>
+              <a:rPr lang="en-US" sz="3600" dirty="0" smtClean="0"/>
+              <a:t>Linear Regression</a:t>
+            </a:r>
+            <a:endParaRPr lang="en-US" sz="3600" dirty="0"/>
+          </a:p>
+        </p:txBody>
+      </p:sp>
+      <p:sp>
+        <p:nvSpPr>
+          <p:cNvPr id="7" name="TextBox 6"/>
+          <p:cNvSpPr txBox="1"/>
+          <p:nvPr/>
+        </p:nvSpPr>
+        <p:spPr>
+          <a:xfrm>
+            <a:off x="9105900" y="1700213"/>
+            <a:ext cx="2728913" cy="2308324"/>
+          </a:xfrm>
+          <a:prstGeom prst="rect">
+            <a:avLst/>
+          </a:prstGeom>
+          <a:noFill/>
+        </p:spPr>
+        <p:txBody>
+          <a:bodyPr wrap="square" rtlCol="0">
+            <a:spAutoFit/>
+          </a:bodyPr>
+          <a:lstStyle/>
+          <a:p>
+            <a:r>
+              <a:rPr lang="en-US" sz="1600" u="sng" dirty="0" smtClean="0"/>
+              <a:t>Regression Score</a:t>
+            </a:r>
+            <a:r>
+              <a:rPr lang="en-US" sz="1600" dirty="0" smtClean="0"/>
+              <a:t> </a:t>
+            </a:r>
+          </a:p>
+          <a:p>
+            <a:r>
+              <a:rPr lang="en-US" sz="1600" dirty="0" smtClean="0"/>
+              <a:t>Degree:</a:t>
+            </a:r>
+          </a:p>
+          <a:p>
+            <a:r>
+              <a:rPr lang="en-US" sz="1600" dirty="0"/>
+              <a:t>[0.0038420810119844662, 0.0038760939503880154, 0.0050730940595735685, 0.0060196352519259477, 0.0066158433715498566, 0.0068843340567162903, 0.0068935458589377552]</a:t>
+            </a:r>
+            <a:endParaRPr lang="en-US" sz="1600" dirty="0"/>
+          </a:p>
+        </p:txBody>
+      </p:sp>
+      <p:sp>
+        <p:nvSpPr>
+          <p:cNvPr id="10" name="TextBox 9"/>
+          <p:cNvSpPr txBox="1"/>
+          <p:nvPr/>
+        </p:nvSpPr>
+        <p:spPr>
+          <a:xfrm>
+            <a:off x="9105900" y="4012347"/>
+            <a:ext cx="2681288" cy="923330"/>
+          </a:xfrm>
+          <a:prstGeom prst="rect">
+            <a:avLst/>
+          </a:prstGeom>
+          <a:noFill/>
+        </p:spPr>
+        <p:txBody>
+          <a:bodyPr wrap="square" rtlCol="0">
+            <a:spAutoFit/>
+          </a:bodyPr>
+          <a:lstStyle/>
+          <a:p>
+            <a:r>
+              <a:rPr lang="en-US" dirty="0" smtClean="0"/>
+              <a:t>Conclusion: </a:t>
+            </a:r>
+            <a:r>
+              <a:rPr lang="en-US" dirty="0"/>
+              <a:t>V</a:t>
+            </a:r>
+            <a:r>
+              <a:rPr lang="en-US" dirty="0" smtClean="0"/>
+              <a:t>ery </a:t>
+            </a:r>
+            <a:r>
+              <a:rPr lang="en-US" b="1" dirty="0" smtClean="0"/>
+              <a:t>bad</a:t>
+            </a:r>
+            <a:r>
+              <a:rPr lang="en-US" dirty="0" smtClean="0"/>
+              <a:t>  </a:t>
+            </a:r>
+            <a:r>
+              <a:rPr lang="en-US" dirty="0" smtClean="0"/>
+              <a:t>predictor for Obesity Rates per county</a:t>
+            </a:r>
+            <a:endParaRPr lang="en-US" dirty="0"/>
+          </a:p>
+        </p:txBody>
+      </p:sp>
+      <p:pic>
+        <p:nvPicPr>
+          <p:cNvPr id="3" name="Picture 2"/>
+          <p:cNvPicPr>
+            <a:picLocks noChangeAspect="1"/>
+          </p:cNvPicPr>
+          <p:nvPr/>
+        </p:nvPicPr>
+        <p:blipFill>
+          <a:blip r:embed="rId2" cstate="print">
+            <a:extLst>
+              <a:ext uri="{28A0092B-C50C-407E-A947-70E740481C1C}">
+                <a14:useLocalDpi xmlns:a14="http://schemas.microsoft.com/office/drawing/2010/main" val="0"/>
+              </a:ext>
+            </a:extLst>
+          </a:blip>
+          <a:stretch>
+            <a:fillRect/>
+          </a:stretch>
+        </p:blipFill>
+        <p:spPr>
+          <a:xfrm>
+            <a:off x="-952500" y="1108710"/>
+            <a:ext cx="10058400" cy="5708822"/>
+          </a:xfrm>
+          <a:prstGeom prst="rect">
+            <a:avLst/>
+          </a:prstGeom>
+        </p:spPr>
+      </p:pic>
+    </p:spTree>
+    <p:extLst>
+      <p:ext uri="{BB962C8B-B14F-4D97-AF65-F5344CB8AC3E}">
+        <p14:creationId xmlns:p14="http://schemas.microsoft.com/office/powerpoint/2010/main" val="1707101934"/>
+      </p:ext>
+    </p:extLst>
+  </p:cSld>
+  <p:clrMapOvr>
+    <a:masterClrMapping/>
+  </p:clrMapOvr>
+</p:sld>
+</file>
+
+<file path=ppt/slides/slide6.xml><?xml version="1.0" encoding="utf-8"?>
+<p:sld xmlns:a="http://schemas.openxmlformats.org/drawingml/2006/main" xmlns:r="http://schemas.openxmlformats.org/officeDocument/2006/relationships" xmlns:p="http://schemas.openxmlformats.org/presentationml/2006/main">
+  <p:cSld>
+    <p:spTree>
+      <p:nvGrpSpPr>
+        <p:cNvPr id="1" name=""/>
+        <p:cNvGrpSpPr/>
+        <p:nvPr/>
+      </p:nvGrpSpPr>
+      <p:grpSpPr>
+        <a:xfrm>
+          <a:off x="0" y="0"/>
+          <a:ext cx="0" cy="0"/>
+          <a:chOff x="0" y="0"/>
+          <a:chExt cx="0" cy="0"/>
+        </a:xfrm>
+      </p:grpSpPr>
+      <p:sp>
+        <p:nvSpPr>
+          <p:cNvPr id="2" name="Title 1"/>
+          <p:cNvSpPr>
+            <a:spLocks noGrp="1"/>
+          </p:cNvSpPr>
+          <p:nvPr>
+            <p:ph type="title"/>
+          </p:nvPr>
+        </p:nvSpPr>
+        <p:spPr>
+          <a:xfrm>
             <a:off x="809625" y="350838"/>
             <a:ext cx="10515600" cy="744537"/>
           </a:xfrm>
         </p:spPr>
         <p:txBody>
           <a:bodyPr>
-            <a:normAutofit/>
+            <a:normAutofit fontScale="90000"/>
           </a:bodyPr>
           <a:lstStyle/>
           <a:p>
             <a:r>
               <a:rPr lang="en-US" sz="3600" u="sng" dirty="0" smtClean="0"/>
-              <a:t>Next Steps</a:t>
+              <a:t>Obesity Vs Grocery Stores Per 1k with Farmers Markets Hue</a:t>
             </a:r>
             <a:endParaRPr lang="en-US" sz="3600" u="sng" dirty="0"/>
           </a:p>
         </p:txBody>
       </p:sp>
-      <p:sp>
-        <p:nvSpPr>
-          <p:cNvPr id="3" name="Content Placeholder 2"/>
-          <p:cNvSpPr>
-            <a:spLocks noGrp="1"/>
-          </p:cNvSpPr>
+      <p:pic>
+        <p:nvPicPr>
+          <p:cNvPr id="4" name="Content Placeholder 3"/>
+          <p:cNvPicPr>
+            <a:picLocks noGrp="1" noChangeAspect="1"/>
+          </p:cNvPicPr>
           <p:nvPr>
             <p:ph idx="1"/>
           </p:nvPr>
-        </p:nvSpPr>
-        <p:spPr>
-          <a:xfrm>
-            <a:off x="809625" y="1044529"/>
-            <a:ext cx="11582400" cy="5657850"/>
-          </a:xfrm>
-        </p:spPr>
-        <p:txBody>
-          <a:bodyPr>
-            <a:normAutofit/>
+        </p:nvPicPr>
+        <p:blipFill>
+          <a:blip r:embed="rId2">
+            <a:extLst>
+              <a:ext uri="{28A0092B-C50C-407E-A947-70E740481C1C}">
+                <a14:useLocalDpi xmlns:a14="http://schemas.microsoft.com/office/drawing/2010/main" val="0"/>
+              </a:ext>
+            </a:extLst>
+          </a:blip>
+          <a:stretch>
+            <a:fillRect/>
+          </a:stretch>
+        </p:blipFill>
+        <p:spPr>
+          <a:xfrm>
+            <a:off x="809625" y="1095375"/>
+            <a:ext cx="5705462" cy="5657850"/>
+          </a:xfrm>
+        </p:spPr>
+      </p:pic>
+      <p:sp>
+        <p:nvSpPr>
+          <p:cNvPr id="5" name="TextBox 4"/>
+          <p:cNvSpPr txBox="1"/>
+          <p:nvPr/>
+        </p:nvSpPr>
+        <p:spPr>
+          <a:xfrm>
+            <a:off x="6755130" y="1238250"/>
+            <a:ext cx="3604260" cy="2308324"/>
+          </a:xfrm>
+          <a:prstGeom prst="rect">
+            <a:avLst/>
+          </a:prstGeom>
+          <a:noFill/>
+        </p:spPr>
+        <p:txBody>
+          <a:bodyPr wrap="square" rtlCol="0">
+            <a:spAutoFit/>
           </a:bodyPr>
           <a:lstStyle/>
           <a:p>
             <a:r>
               <a:rPr lang="en-US" dirty="0" smtClean="0"/>
-              <a:t>Analyze the other data sets</a:t>
-            </a:r>
+              <a:t>Conclusion: Possible correlation between the number of Farmers markets and Grocery Stores and their effect on population obesity.</a:t>
+            </a:r>
+          </a:p>
+          <a:p>
+            <a:endParaRPr lang="en-US" dirty="0"/>
           </a:p>
           <a:p>
             <a:r>
               <a:rPr lang="en-US" dirty="0" smtClean="0"/>
-              <a:t>Utilize the other regression formulas on the current and future data sets</a:t>
+              <a:t>Will apply a KNN and Random Forest to see if we can create a prediction model</a:t>
             </a:r>
             <a:endParaRPr lang="en-US" dirty="0"/>
           </a:p>
@@ -3850,6 +4104,287 @@
     <p:extLst>
       <p:ext uri="{BB962C8B-B14F-4D97-AF65-F5344CB8AC3E}">
         <p14:creationId xmlns:p14="http://schemas.microsoft.com/office/powerpoint/2010/main" val="3499362859"/>
+      </p:ext>
+    </p:extLst>
+  </p:cSld>
+  <p:clrMapOvr>
+    <a:masterClrMapping/>
+  </p:clrMapOvr>
+</p:sld>
+</file>
+
+<file path=ppt/slides/slide7.xml><?xml version="1.0" encoding="utf-8"?>
+<p:sld xmlns:a="http://schemas.openxmlformats.org/drawingml/2006/main" xmlns:r="http://schemas.openxmlformats.org/officeDocument/2006/relationships" xmlns:p="http://schemas.openxmlformats.org/presentationml/2006/main">
+  <p:cSld>
+    <p:spTree>
+      <p:nvGrpSpPr>
+        <p:cNvPr id="1" name=""/>
+        <p:cNvGrpSpPr/>
+        <p:nvPr/>
+      </p:nvGrpSpPr>
+      <p:grpSpPr>
+        <a:xfrm>
+          <a:off x="0" y="0"/>
+          <a:ext cx="0" cy="0"/>
+          <a:chOff x="0" y="0"/>
+          <a:chExt cx="0" cy="0"/>
+        </a:xfrm>
+      </p:grpSpPr>
+      <p:sp>
+        <p:nvSpPr>
+          <p:cNvPr id="2" name="Title 1"/>
+          <p:cNvSpPr>
+            <a:spLocks noGrp="1"/>
+          </p:cNvSpPr>
+          <p:nvPr>
+            <p:ph type="title"/>
+          </p:nvPr>
+        </p:nvSpPr>
+        <p:spPr>
+          <a:xfrm>
+            <a:off x="192405" y="190818"/>
+            <a:ext cx="10515600" cy="744537"/>
+          </a:xfrm>
+        </p:spPr>
+        <p:txBody>
+          <a:bodyPr>
+            <a:normAutofit/>
+          </a:bodyPr>
+          <a:lstStyle/>
+          <a:p>
+            <a:r>
+              <a:rPr lang="en-US" sz="3600" u="sng" dirty="0" smtClean="0"/>
+              <a:t>Food Stores vs Obesity </a:t>
+            </a:r>
+            <a:r>
+              <a:rPr lang="en-US" sz="3600" u="sng" dirty="0" err="1" smtClean="0"/>
+              <a:t>Pairplot</a:t>
+            </a:r>
+            <a:endParaRPr lang="en-US" sz="3600" u="sng" dirty="0"/>
+          </a:p>
+        </p:txBody>
+      </p:sp>
+      <p:pic>
+        <p:nvPicPr>
+          <p:cNvPr id="4" name="Picture 3"/>
+          <p:cNvPicPr>
+            <a:picLocks noChangeAspect="1"/>
+          </p:cNvPicPr>
+          <p:nvPr/>
+        </p:nvPicPr>
+        <p:blipFill>
+          <a:blip r:embed="rId2">
+            <a:extLst>
+              <a:ext uri="{28A0092B-C50C-407E-A947-70E740481C1C}">
+                <a14:useLocalDpi xmlns:a14="http://schemas.microsoft.com/office/drawing/2010/main" val="0"/>
+              </a:ext>
+            </a:extLst>
+          </a:blip>
+          <a:stretch>
+            <a:fillRect/>
+          </a:stretch>
+        </p:blipFill>
+        <p:spPr>
+          <a:xfrm>
+            <a:off x="192404" y="1036320"/>
+            <a:ext cx="7122795" cy="5631180"/>
+          </a:xfrm>
+          <a:prstGeom prst="rect">
+            <a:avLst/>
+          </a:prstGeom>
+        </p:spPr>
+      </p:pic>
+      <p:sp>
+        <p:nvSpPr>
+          <p:cNvPr id="6" name="Rectangle 5"/>
+          <p:cNvSpPr/>
+          <p:nvPr/>
+        </p:nvSpPr>
+        <p:spPr>
+          <a:xfrm>
+            <a:off x="192404" y="971550"/>
+            <a:ext cx="1704976" cy="5760720"/>
+          </a:xfrm>
+          <a:prstGeom prst="rect">
+            <a:avLst/>
+          </a:prstGeom>
+          <a:noFill/>
+          <a:ln w="38100">
+            <a:solidFill>
+              <a:srgbClr val="FF0000"/>
+            </a:solidFill>
+          </a:ln>
+        </p:spPr>
+        <p:style>
+          <a:lnRef idx="2">
+            <a:schemeClr val="dk1"/>
+          </a:lnRef>
+          <a:fillRef idx="1">
+            <a:schemeClr val="lt1"/>
+          </a:fillRef>
+          <a:effectRef idx="0">
+            <a:schemeClr val="dk1"/>
+          </a:effectRef>
+          <a:fontRef idx="minor">
+            <a:schemeClr val="dk1"/>
+          </a:fontRef>
+        </p:style>
+        <p:txBody>
+          <a:bodyPr rtlCol="0" anchor="ctr"/>
+          <a:lstStyle/>
+          <a:p>
+            <a:pPr algn="ctr"/>
+            <a:endParaRPr lang="en-US"/>
+          </a:p>
+        </p:txBody>
+      </p:sp>
+      <p:sp>
+        <p:nvSpPr>
+          <p:cNvPr id="7" name="TextBox 6"/>
+          <p:cNvSpPr txBox="1"/>
+          <p:nvPr/>
+        </p:nvSpPr>
+        <p:spPr>
+          <a:xfrm>
+            <a:off x="7376160" y="1135380"/>
+            <a:ext cx="4248150" cy="1477328"/>
+          </a:xfrm>
+          <a:prstGeom prst="rect">
+            <a:avLst/>
+          </a:prstGeom>
+          <a:noFill/>
+        </p:spPr>
+        <p:txBody>
+          <a:bodyPr wrap="square" rtlCol="0">
+            <a:spAutoFit/>
+          </a:bodyPr>
+          <a:lstStyle/>
+          <a:p>
+            <a:r>
+              <a:rPr lang="en-US" dirty="0" smtClean="0"/>
+              <a:t>Takeaway: No obvious linear correlation between Food Store availability per 1000 people and obesity rates.</a:t>
+            </a:r>
+          </a:p>
+          <a:p>
+            <a:endParaRPr lang="en-US" dirty="0"/>
+          </a:p>
+          <a:p>
+            <a:r>
+              <a:rPr lang="en-US" dirty="0" smtClean="0"/>
+              <a:t>Next Step: Decision tree analysis</a:t>
+            </a:r>
+            <a:endParaRPr lang="en-US" dirty="0"/>
+          </a:p>
+        </p:txBody>
+      </p:sp>
+    </p:spTree>
+    <p:extLst>
+      <p:ext uri="{BB962C8B-B14F-4D97-AF65-F5344CB8AC3E}">
+        <p14:creationId xmlns:p14="http://schemas.microsoft.com/office/powerpoint/2010/main" val="3755244598"/>
+      </p:ext>
+    </p:extLst>
+  </p:cSld>
+  <p:clrMapOvr>
+    <a:masterClrMapping/>
+  </p:clrMapOvr>
+</p:sld>
+</file>
+
+<file path=ppt/slides/slide8.xml><?xml version="1.0" encoding="utf-8"?>
+<p:sld xmlns:a="http://schemas.openxmlformats.org/drawingml/2006/main" xmlns:r="http://schemas.openxmlformats.org/officeDocument/2006/relationships" xmlns:p="http://schemas.openxmlformats.org/presentationml/2006/main">
+  <p:cSld>
+    <p:spTree>
+      <p:nvGrpSpPr>
+        <p:cNvPr id="1" name=""/>
+        <p:cNvGrpSpPr/>
+        <p:nvPr/>
+      </p:nvGrpSpPr>
+      <p:grpSpPr>
+        <a:xfrm>
+          <a:off x="0" y="0"/>
+          <a:ext cx="0" cy="0"/>
+          <a:chOff x="0" y="0"/>
+          <a:chExt cx="0" cy="0"/>
+        </a:xfrm>
+      </p:grpSpPr>
+      <p:sp>
+        <p:nvSpPr>
+          <p:cNvPr id="2" name="Title 1"/>
+          <p:cNvSpPr>
+            <a:spLocks noGrp="1"/>
+          </p:cNvSpPr>
+          <p:nvPr>
+            <p:ph type="title"/>
+          </p:nvPr>
+        </p:nvSpPr>
+        <p:spPr>
+          <a:xfrm>
+            <a:off x="809625" y="350838"/>
+            <a:ext cx="10515600" cy="744537"/>
+          </a:xfrm>
+        </p:spPr>
+        <p:txBody>
+          <a:bodyPr>
+            <a:normAutofit/>
+          </a:bodyPr>
+          <a:lstStyle/>
+          <a:p>
+            <a:r>
+              <a:rPr lang="en-US" sz="3600" u="sng" dirty="0" smtClean="0"/>
+              <a:t>Next Steps</a:t>
+            </a:r>
+            <a:endParaRPr lang="en-US" sz="3600" u="sng" dirty="0"/>
+          </a:p>
+        </p:txBody>
+      </p:sp>
+      <p:sp>
+        <p:nvSpPr>
+          <p:cNvPr id="3" name="Content Placeholder 2"/>
+          <p:cNvSpPr>
+            <a:spLocks noGrp="1"/>
+          </p:cNvSpPr>
+          <p:nvPr>
+            <p:ph idx="1"/>
+          </p:nvPr>
+        </p:nvSpPr>
+        <p:spPr>
+          <a:xfrm>
+            <a:off x="809625" y="1044529"/>
+            <a:ext cx="11582400" cy="5657850"/>
+          </a:xfrm>
+        </p:spPr>
+        <p:txBody>
+          <a:bodyPr>
+            <a:normAutofit/>
+          </a:bodyPr>
+          <a:lstStyle/>
+          <a:p>
+            <a:r>
+              <a:rPr lang="en-US" dirty="0" smtClean="0"/>
+              <a:t>Analyze the other data sets</a:t>
+            </a:r>
+          </a:p>
+          <a:p>
+            <a:r>
+              <a:rPr lang="en-US" dirty="0" smtClean="0"/>
+              <a:t>Utilize the other </a:t>
+            </a:r>
+            <a:r>
+              <a:rPr lang="en-US" dirty="0" smtClean="0"/>
+              <a:t>regression </a:t>
+            </a:r>
+            <a:r>
+              <a:rPr lang="en-US" dirty="0" smtClean="0"/>
+              <a:t>formulas on the current and future data sets</a:t>
+            </a:r>
+            <a:endParaRPr lang="en-US" dirty="0"/>
+          </a:p>
+        </p:txBody>
+      </p:sp>
+    </p:spTree>
+    <p:extLst>
+      <p:ext uri="{BB962C8B-B14F-4D97-AF65-F5344CB8AC3E}">
+        <p14:creationId xmlns:p14="http://schemas.microsoft.com/office/powerpoint/2010/main" val="2888687126"/>
       </p:ext>
     </p:extLst>
   </p:cSld>

--- a/Presentation1.pptx
+++ b/Presentation1.pptx
@@ -7,12 +7,13 @@
   <p:sldIdLst>
     <p:sldId id="256" r:id="rId2"/>
     <p:sldId id="257" r:id="rId3"/>
-    <p:sldId id="258" r:id="rId4"/>
-    <p:sldId id="260" r:id="rId5"/>
-    <p:sldId id="264" r:id="rId6"/>
-    <p:sldId id="261" r:id="rId7"/>
-    <p:sldId id="262" r:id="rId8"/>
-    <p:sldId id="263" r:id="rId9"/>
+    <p:sldId id="265" r:id="rId4"/>
+    <p:sldId id="258" r:id="rId5"/>
+    <p:sldId id="260" r:id="rId6"/>
+    <p:sldId id="264" r:id="rId7"/>
+    <p:sldId id="261" r:id="rId8"/>
+    <p:sldId id="262" r:id="rId9"/>
+    <p:sldId id="263" r:id="rId10"/>
   </p:sldIdLst>
   <p:sldSz cx="12192000" cy="6858000"/>
   <p:notesSz cx="6858000" cy="9144000"/>
@@ -250,7 +251,7 @@
           <a:p>
             <a:fld id="{311ED5DF-F52C-42D6-9D61-D3CD03F694C2}" type="datetimeFigureOut">
               <a:rPr lang="en-US" smtClean="0"/>
-              <a:t>1/19/2016</a:t>
+              <a:t>1/20/2016</a:t>
             </a:fld>
             <a:endParaRPr lang="en-US"/>
           </a:p>
@@ -420,7 +421,7 @@
           <a:p>
             <a:fld id="{311ED5DF-F52C-42D6-9D61-D3CD03F694C2}" type="datetimeFigureOut">
               <a:rPr lang="en-US" smtClean="0"/>
-              <a:t>1/19/2016</a:t>
+              <a:t>1/20/2016</a:t>
             </a:fld>
             <a:endParaRPr lang="en-US"/>
           </a:p>
@@ -600,7 +601,7 @@
           <a:p>
             <a:fld id="{311ED5DF-F52C-42D6-9D61-D3CD03F694C2}" type="datetimeFigureOut">
               <a:rPr lang="en-US" smtClean="0"/>
-              <a:t>1/19/2016</a:t>
+              <a:t>1/20/2016</a:t>
             </a:fld>
             <a:endParaRPr lang="en-US"/>
           </a:p>
@@ -770,7 +771,7 @@
           <a:p>
             <a:fld id="{311ED5DF-F52C-42D6-9D61-D3CD03F694C2}" type="datetimeFigureOut">
               <a:rPr lang="en-US" smtClean="0"/>
-              <a:t>1/19/2016</a:t>
+              <a:t>1/20/2016</a:t>
             </a:fld>
             <a:endParaRPr lang="en-US"/>
           </a:p>
@@ -1016,7 +1017,7 @@
           <a:p>
             <a:fld id="{311ED5DF-F52C-42D6-9D61-D3CD03F694C2}" type="datetimeFigureOut">
               <a:rPr lang="en-US" smtClean="0"/>
-              <a:t>1/19/2016</a:t>
+              <a:t>1/20/2016</a:t>
             </a:fld>
             <a:endParaRPr lang="en-US"/>
           </a:p>
@@ -1248,7 +1249,7 @@
           <a:p>
             <a:fld id="{311ED5DF-F52C-42D6-9D61-D3CD03F694C2}" type="datetimeFigureOut">
               <a:rPr lang="en-US" smtClean="0"/>
-              <a:t>1/19/2016</a:t>
+              <a:t>1/20/2016</a:t>
             </a:fld>
             <a:endParaRPr lang="en-US"/>
           </a:p>
@@ -1615,7 +1616,7 @@
           <a:p>
             <a:fld id="{311ED5DF-F52C-42D6-9D61-D3CD03F694C2}" type="datetimeFigureOut">
               <a:rPr lang="en-US" smtClean="0"/>
-              <a:t>1/19/2016</a:t>
+              <a:t>1/20/2016</a:t>
             </a:fld>
             <a:endParaRPr lang="en-US"/>
           </a:p>
@@ -1733,7 +1734,7 @@
           <a:p>
             <a:fld id="{311ED5DF-F52C-42D6-9D61-D3CD03F694C2}" type="datetimeFigureOut">
               <a:rPr lang="en-US" smtClean="0"/>
-              <a:t>1/19/2016</a:t>
+              <a:t>1/20/2016</a:t>
             </a:fld>
             <a:endParaRPr lang="en-US"/>
           </a:p>
@@ -1828,7 +1829,7 @@
           <a:p>
             <a:fld id="{311ED5DF-F52C-42D6-9D61-D3CD03F694C2}" type="datetimeFigureOut">
               <a:rPr lang="en-US" smtClean="0"/>
-              <a:t>1/19/2016</a:t>
+              <a:t>1/20/2016</a:t>
             </a:fld>
             <a:endParaRPr lang="en-US"/>
           </a:p>
@@ -2105,7 +2106,7 @@
           <a:p>
             <a:fld id="{311ED5DF-F52C-42D6-9D61-D3CD03F694C2}" type="datetimeFigureOut">
               <a:rPr lang="en-US" smtClean="0"/>
-              <a:t>1/19/2016</a:t>
+              <a:t>1/20/2016</a:t>
             </a:fld>
             <a:endParaRPr lang="en-US"/>
           </a:p>
@@ -2358,7 +2359,7 @@
           <a:p>
             <a:fld id="{311ED5DF-F52C-42D6-9D61-D3CD03F694C2}" type="datetimeFigureOut">
               <a:rPr lang="en-US" smtClean="0"/>
-              <a:t>1/19/2016</a:t>
+              <a:t>1/20/2016</a:t>
             </a:fld>
             <a:endParaRPr lang="en-US"/>
           </a:p>
@@ -2571,7 +2572,7 @@
           <a:p>
             <a:fld id="{311ED5DF-F52C-42D6-9D61-D3CD03F694C2}" type="datetimeFigureOut">
               <a:rPr lang="en-US" smtClean="0"/>
-              <a:t>1/19/2016</a:t>
+              <a:t>1/20/2016</a:t>
             </a:fld>
             <a:endParaRPr lang="en-US"/>
           </a:p>
@@ -3284,19 +3285,11 @@
             </a:r>
             <a:r>
               <a:rPr lang="en-US" dirty="0"/>
-              <a:t>Stores per 1000 </a:t>
-            </a:r>
-            <a:r>
-              <a:rPr lang="en-US" dirty="0"/>
-              <a:t>people </a:t>
+              <a:t>Stores per 1000 people </a:t>
             </a:r>
             <a:r>
               <a:rPr lang="en-US" dirty="0" smtClean="0"/>
-              <a:t>per </a:t>
-            </a:r>
-            <a:r>
-              <a:rPr lang="en-US" dirty="0" smtClean="0"/>
-              <a:t>county</a:t>
+              <a:t>per county</a:t>
             </a:r>
             <a:endParaRPr lang="en-US" dirty="0"/>
           </a:p>
@@ -3417,6 +3410,144 @@
         </p:nvSpPr>
         <p:spPr>
           <a:xfrm>
+            <a:off x="809625" y="350838"/>
+            <a:ext cx="10515600" cy="744537"/>
+          </a:xfrm>
+        </p:spPr>
+        <p:txBody>
+          <a:bodyPr>
+            <a:normAutofit/>
+          </a:bodyPr>
+          <a:lstStyle/>
+          <a:p>
+            <a:r>
+              <a:rPr lang="en-US" sz="3600" u="sng" dirty="0" smtClean="0"/>
+              <a:t>Data </a:t>
+            </a:r>
+            <a:r>
+              <a:rPr lang="en-US" sz="3600" u="sng" dirty="0" smtClean="0"/>
+              <a:t>Manipulation</a:t>
+            </a:r>
+            <a:endParaRPr lang="en-US" sz="3600" u="sng" dirty="0"/>
+          </a:p>
+        </p:txBody>
+      </p:sp>
+      <p:sp>
+        <p:nvSpPr>
+          <p:cNvPr id="3" name="Content Placeholder 2"/>
+          <p:cNvSpPr>
+            <a:spLocks noGrp="1"/>
+          </p:cNvSpPr>
+          <p:nvPr>
+            <p:ph idx="1"/>
+          </p:nvPr>
+        </p:nvSpPr>
+        <p:spPr>
+          <a:xfrm>
+            <a:off x="809625" y="1095375"/>
+            <a:ext cx="11582400" cy="5657850"/>
+          </a:xfrm>
+        </p:spPr>
+        <p:txBody>
+          <a:bodyPr>
+            <a:normAutofit/>
+          </a:bodyPr>
+          <a:lstStyle/>
+          <a:p>
+            <a:r>
+              <a:rPr lang="en-US" dirty="0" smtClean="0"/>
+              <a:t>Obesity Rates in the USA</a:t>
+            </a:r>
+          </a:p>
+          <a:p>
+            <a:pPr lvl="1"/>
+            <a:r>
+              <a:rPr lang="en-US" dirty="0" smtClean="0"/>
+              <a:t>Data is good, didn’t need much changes</a:t>
+            </a:r>
+            <a:endParaRPr lang="en-US" dirty="0" smtClean="0"/>
+          </a:p>
+          <a:p>
+            <a:r>
+              <a:rPr lang="en-US" dirty="0" smtClean="0"/>
+              <a:t>Farmers Market Locations in the USA</a:t>
+            </a:r>
+          </a:p>
+          <a:p>
+            <a:pPr lvl="1"/>
+            <a:r>
+              <a:rPr lang="en-US" dirty="0" smtClean="0"/>
+              <a:t>Did not have the normal FID which is the County designation Key, so had to create a County/State Key to join on the Obesity Rates table</a:t>
+            </a:r>
+          </a:p>
+          <a:p>
+            <a:r>
+              <a:rPr lang="en-US" dirty="0" smtClean="0"/>
+              <a:t>Food Security Factors in the USA</a:t>
+            </a:r>
+          </a:p>
+          <a:p>
+            <a:pPr lvl="1"/>
+            <a:r>
+              <a:rPr lang="en-US" dirty="0" smtClean="0"/>
+              <a:t>All data is mostly clean, but the variables are all stored on a separate sheet</a:t>
+            </a:r>
+          </a:p>
+          <a:p>
+            <a:pPr lvl="1"/>
+            <a:r>
+              <a:rPr lang="en-US" dirty="0" smtClean="0"/>
+              <a:t>Column headers are impossible to know without the key so had to reference that often to understand what data I was using</a:t>
+            </a:r>
+          </a:p>
+          <a:p>
+            <a:pPr lvl="1"/>
+            <a:endParaRPr lang="en-US" dirty="0"/>
+          </a:p>
+        </p:txBody>
+      </p:sp>
+    </p:spTree>
+    <p:extLst>
+      <p:ext uri="{BB962C8B-B14F-4D97-AF65-F5344CB8AC3E}">
+        <p14:creationId xmlns:p14="http://schemas.microsoft.com/office/powerpoint/2010/main" val="3681704396"/>
+      </p:ext>
+    </p:extLst>
+  </p:cSld>
+  <p:clrMapOvr>
+    <a:masterClrMapping/>
+  </p:clrMapOvr>
+</p:sld>
+</file>
+
+<file path=ppt/slides/slide4.xml><?xml version="1.0" encoding="utf-8"?>
+<p:sld xmlns:a="http://schemas.openxmlformats.org/drawingml/2006/main" xmlns:r="http://schemas.openxmlformats.org/officeDocument/2006/relationships" xmlns:p="http://schemas.openxmlformats.org/presentationml/2006/main">
+  <p:cSld>
+    <p:spTree>
+      <p:nvGrpSpPr>
+        <p:cNvPr id="1" name=""/>
+        <p:cNvGrpSpPr/>
+        <p:nvPr/>
+      </p:nvGrpSpPr>
+      <p:grpSpPr>
+        <a:xfrm>
+          <a:off x="0" y="0"/>
+          <a:ext cx="0" cy="0"/>
+          <a:chOff x="0" y="0"/>
+          <a:chExt cx="0" cy="0"/>
+        </a:xfrm>
+      </p:grpSpPr>
+      <p:sp>
+        <p:nvSpPr>
+          <p:cNvPr id="2" name="Title 1"/>
+          <p:cNvSpPr>
+            <a:spLocks noGrp="1"/>
+          </p:cNvSpPr>
+          <p:nvPr>
+            <p:ph type="title"/>
+          </p:nvPr>
+        </p:nvSpPr>
+        <p:spPr>
+          <a:xfrm>
             <a:off x="276225" y="127001"/>
             <a:ext cx="9739313" cy="1077911"/>
           </a:xfrm>
@@ -3597,7 +3728,7 @@
 </p:sld>
 </file>
 
-<file path=ppt/slides/slide4.xml><?xml version="1.0" encoding="utf-8"?>
+<file path=ppt/slides/slide5.xml><?xml version="1.0" encoding="utf-8"?>
 <p:sld xmlns:a="http://schemas.openxmlformats.org/drawingml/2006/main" xmlns:r="http://schemas.openxmlformats.org/officeDocument/2006/relationships" xmlns:p="http://schemas.openxmlformats.org/presentationml/2006/main">
   <p:cSld>
     <p:spTree>
@@ -3788,7 +3919,7 @@
 </p:sld>
 </file>
 
-<file path=ppt/slides/slide5.xml><?xml version="1.0" encoding="utf-8"?>
+<file path=ppt/slides/slide6.xml><?xml version="1.0" encoding="utf-8"?>
 <p:sld xmlns:a="http://schemas.openxmlformats.org/drawingml/2006/main" xmlns:r="http://schemas.openxmlformats.org/officeDocument/2006/relationships" xmlns:p="http://schemas.openxmlformats.org/presentationml/2006/main">
   <p:cSld>
     <p:spTree>
@@ -3829,11 +3960,7 @@
           <a:p>
             <a:r>
               <a:rPr lang="en-US" sz="3600" dirty="0" smtClean="0"/>
-              <a:t>Fast Food per 1k Per </a:t>
-            </a:r>
-            <a:r>
-              <a:rPr lang="en-US" sz="3600" dirty="0" smtClean="0"/>
-              <a:t>County Vs Obesity Rate</a:t>
+              <a:t>Fast Food per 1k Per County Vs Obesity Rate</a:t>
             </a:r>
             <a:br>
               <a:rPr lang="en-US" sz="3600" dirty="0" smtClean="0"/>
@@ -3888,7 +4015,6 @@
               <a:rPr lang="en-US" sz="1600" dirty="0"/>
               <a:t>[0.0038420810119844662, 0.0038760939503880154, 0.0050730940595735685, 0.0060196352519259477, 0.0066158433715498566, 0.0068843340567162903, 0.0068935458589377552]</a:t>
             </a:r>
-            <a:endParaRPr lang="en-US" sz="1600" dirty="0"/>
           </a:p>
         </p:txBody>
       </p:sp>
@@ -3932,11 +4058,7 @@
             </a:r>
             <a:r>
               <a:rPr lang="en-US" dirty="0" smtClean="0"/>
-              <a:t>  </a:t>
-            </a:r>
-            <a:r>
-              <a:rPr lang="en-US" dirty="0" smtClean="0"/>
-              <a:t>predictor for Obesity Rates per county</a:t>
+              <a:t>  predictor for Obesity Rates per county</a:t>
             </a:r>
             <a:endParaRPr lang="en-US" dirty="0"/>
           </a:p>
@@ -3976,134 +4098,6 @@
     <p:extLst>
       <p:ext uri="{BB962C8B-B14F-4D97-AF65-F5344CB8AC3E}">
         <p14:creationId xmlns:p14="http://schemas.microsoft.com/office/powerpoint/2010/main" val="1707101934"/>
-      </p:ext>
-    </p:extLst>
-  </p:cSld>
-  <p:clrMapOvr>
-    <a:masterClrMapping/>
-  </p:clrMapOvr>
-</p:sld>
-</file>
-
-<file path=ppt/slides/slide6.xml><?xml version="1.0" encoding="utf-8"?>
-<p:sld xmlns:a="http://schemas.openxmlformats.org/drawingml/2006/main" xmlns:r="http://schemas.openxmlformats.org/officeDocument/2006/relationships" xmlns:p="http://schemas.openxmlformats.org/presentationml/2006/main">
-  <p:cSld>
-    <p:spTree>
-      <p:nvGrpSpPr>
-        <p:cNvPr id="1" name=""/>
-        <p:cNvGrpSpPr/>
-        <p:nvPr/>
-      </p:nvGrpSpPr>
-      <p:grpSpPr>
-        <a:xfrm>
-          <a:off x="0" y="0"/>
-          <a:ext cx="0" cy="0"/>
-          <a:chOff x="0" y="0"/>
-          <a:chExt cx="0" cy="0"/>
-        </a:xfrm>
-      </p:grpSpPr>
-      <p:sp>
-        <p:nvSpPr>
-          <p:cNvPr id="2" name="Title 1"/>
-          <p:cNvSpPr>
-            <a:spLocks noGrp="1"/>
-          </p:cNvSpPr>
-          <p:nvPr>
-            <p:ph type="title"/>
-          </p:nvPr>
-        </p:nvSpPr>
-        <p:spPr>
-          <a:xfrm>
-            <a:off x="809625" y="350838"/>
-            <a:ext cx="10515600" cy="744537"/>
-          </a:xfrm>
-        </p:spPr>
-        <p:txBody>
-          <a:bodyPr>
-            <a:normAutofit fontScale="90000"/>
-          </a:bodyPr>
-          <a:lstStyle/>
-          <a:p>
-            <a:r>
-              <a:rPr lang="en-US" sz="3600" u="sng" dirty="0" smtClean="0"/>
-              <a:t>Obesity Vs Grocery Stores Per 1k with Farmers Markets Hue</a:t>
-            </a:r>
-            <a:endParaRPr lang="en-US" sz="3600" u="sng" dirty="0"/>
-          </a:p>
-        </p:txBody>
-      </p:sp>
-      <p:pic>
-        <p:nvPicPr>
-          <p:cNvPr id="4" name="Content Placeholder 3"/>
-          <p:cNvPicPr>
-            <a:picLocks noGrp="1" noChangeAspect="1"/>
-          </p:cNvPicPr>
-          <p:nvPr>
-            <p:ph idx="1"/>
-          </p:nvPr>
-        </p:nvPicPr>
-        <p:blipFill>
-          <a:blip r:embed="rId2">
-            <a:extLst>
-              <a:ext uri="{28A0092B-C50C-407E-A947-70E740481C1C}">
-                <a14:useLocalDpi xmlns:a14="http://schemas.microsoft.com/office/drawing/2010/main" val="0"/>
-              </a:ext>
-            </a:extLst>
-          </a:blip>
-          <a:stretch>
-            <a:fillRect/>
-          </a:stretch>
-        </p:blipFill>
-        <p:spPr>
-          <a:xfrm>
-            <a:off x="809625" y="1095375"/>
-            <a:ext cx="5705462" cy="5657850"/>
-          </a:xfrm>
-        </p:spPr>
-      </p:pic>
-      <p:sp>
-        <p:nvSpPr>
-          <p:cNvPr id="5" name="TextBox 4"/>
-          <p:cNvSpPr txBox="1"/>
-          <p:nvPr/>
-        </p:nvSpPr>
-        <p:spPr>
-          <a:xfrm>
-            <a:off x="6755130" y="1238250"/>
-            <a:ext cx="3604260" cy="2308324"/>
-          </a:xfrm>
-          <a:prstGeom prst="rect">
-            <a:avLst/>
-          </a:prstGeom>
-          <a:noFill/>
-        </p:spPr>
-        <p:txBody>
-          <a:bodyPr wrap="square" rtlCol="0">
-            <a:spAutoFit/>
-          </a:bodyPr>
-          <a:lstStyle/>
-          <a:p>
-            <a:r>
-              <a:rPr lang="en-US" dirty="0" smtClean="0"/>
-              <a:t>Conclusion: Possible correlation between the number of Farmers markets and Grocery Stores and their effect on population obesity.</a:t>
-            </a:r>
-          </a:p>
-          <a:p>
-            <a:endParaRPr lang="en-US" dirty="0"/>
-          </a:p>
-          <a:p>
-            <a:r>
-              <a:rPr lang="en-US" dirty="0" smtClean="0"/>
-              <a:t>Will apply a KNN and Random Forest to see if we can create a prediction model</a:t>
-            </a:r>
-            <a:endParaRPr lang="en-US" dirty="0"/>
-          </a:p>
-        </p:txBody>
-      </p:sp>
-    </p:spTree>
-    <p:extLst>
-      <p:ext uri="{BB962C8B-B14F-4D97-AF65-F5344CB8AC3E}">
-        <p14:creationId xmlns:p14="http://schemas.microsoft.com/office/powerpoint/2010/main" val="3499362859"/>
       </p:ext>
     </p:extLst>
   </p:cSld>
@@ -4142,23 +4136,19 @@
         </p:nvSpPr>
         <p:spPr>
           <a:xfrm>
-            <a:off x="192405" y="190818"/>
+            <a:off x="809625" y="350838"/>
             <a:ext cx="10515600" cy="744537"/>
           </a:xfrm>
         </p:spPr>
         <p:txBody>
           <a:bodyPr>
-            <a:normAutofit/>
+            <a:normAutofit fontScale="90000"/>
           </a:bodyPr>
           <a:lstStyle/>
           <a:p>
             <a:r>
               <a:rPr lang="en-US" sz="3600" u="sng" dirty="0" smtClean="0"/>
-              <a:t>Food Stores vs Obesity </a:t>
-            </a:r>
-            <a:r>
-              <a:rPr lang="en-US" sz="3600" u="sng" dirty="0" err="1" smtClean="0"/>
-              <a:t>Pairplot</a:t>
+              <a:t>Obesity Vs Grocery Stores Per 1k with Farmers Markets Hue</a:t>
             </a:r>
             <a:endParaRPr lang="en-US" sz="3600" u="sng" dirty="0"/>
           </a:p>
@@ -4166,11 +4156,13 @@
       </p:sp>
       <p:pic>
         <p:nvPicPr>
-          <p:cNvPr id="4" name="Picture 3"/>
+          <p:cNvPr id="4" name="Content Placeholder 3"/>
           <p:cNvPicPr>
-            <a:picLocks noChangeAspect="1"/>
+            <a:picLocks noGrp="1" noChangeAspect="1"/>
           </p:cNvPicPr>
-          <p:nvPr/>
+          <p:nvPr>
+            <p:ph idx="1"/>
+          </p:nvPr>
         </p:nvPicPr>
         <p:blipFill>
           <a:blip r:embed="rId2">
@@ -4186,73 +4178,26 @@
         </p:blipFill>
         <p:spPr>
           <a:xfrm>
-            <a:off x="192404" y="1036320"/>
-            <a:ext cx="7122795" cy="5631180"/>
-          </a:xfrm>
-          <a:prstGeom prst="rect">
-            <a:avLst/>
-          </a:prstGeom>
+            <a:off x="809625" y="1095375"/>
+            <a:ext cx="5705462" cy="5657850"/>
+          </a:xfrm>
         </p:spPr>
       </p:pic>
       <p:sp>
         <p:nvSpPr>
-          <p:cNvPr id="6" name="Rectangle 5"/>
-          <p:cNvSpPr/>
+          <p:cNvPr id="5" name="TextBox 4"/>
+          <p:cNvSpPr txBox="1"/>
           <p:nvPr/>
         </p:nvSpPr>
         <p:spPr>
           <a:xfrm>
-            <a:off x="192404" y="971550"/>
-            <a:ext cx="1704976" cy="5760720"/>
+            <a:off x="6755130" y="1238250"/>
+            <a:ext cx="3604260" cy="2308324"/>
           </a:xfrm>
           <a:prstGeom prst="rect">
             <a:avLst/>
           </a:prstGeom>
           <a:noFill/>
-          <a:ln w="38100">
-            <a:solidFill>
-              <a:srgbClr val="FF0000"/>
-            </a:solidFill>
-          </a:ln>
-        </p:spPr>
-        <p:style>
-          <a:lnRef idx="2">
-            <a:schemeClr val="dk1"/>
-          </a:lnRef>
-          <a:fillRef idx="1">
-            <a:schemeClr val="lt1"/>
-          </a:fillRef>
-          <a:effectRef idx="0">
-            <a:schemeClr val="dk1"/>
-          </a:effectRef>
-          <a:fontRef idx="minor">
-            <a:schemeClr val="dk1"/>
-          </a:fontRef>
-        </p:style>
-        <p:txBody>
-          <a:bodyPr rtlCol="0" anchor="ctr"/>
-          <a:lstStyle/>
-          <a:p>
-            <a:pPr algn="ctr"/>
-            <a:endParaRPr lang="en-US"/>
-          </a:p>
-        </p:txBody>
-      </p:sp>
-      <p:sp>
-        <p:nvSpPr>
-          <p:cNvPr id="7" name="TextBox 6"/>
-          <p:cNvSpPr txBox="1"/>
-          <p:nvPr/>
-        </p:nvSpPr>
-        <p:spPr>
-          <a:xfrm>
-            <a:off x="7376160" y="1135380"/>
-            <a:ext cx="4248150" cy="1477328"/>
-          </a:xfrm>
-          <a:prstGeom prst="rect">
-            <a:avLst/>
-          </a:prstGeom>
-          <a:noFill/>
         </p:spPr>
         <p:txBody>
           <a:bodyPr wrap="square" rtlCol="0">
@@ -4262,7 +4207,7 @@
           <a:p>
             <a:r>
               <a:rPr lang="en-US" dirty="0" smtClean="0"/>
-              <a:t>Takeaway: No obvious linear correlation between Food Store availability per 1000 people and obesity rates.</a:t>
+              <a:t>Conclusion: Possible correlation between the number of Farmers markets and Grocery Stores and their effect on population obesity.</a:t>
             </a:r>
           </a:p>
           <a:p>
@@ -4271,7 +4216,7 @@
           <a:p>
             <a:r>
               <a:rPr lang="en-US" dirty="0" smtClean="0"/>
-              <a:t>Next Step: Decision tree analysis</a:t>
+              <a:t>Will apply a KNN and Random Forest to see if we can create a prediction model</a:t>
             </a:r>
             <a:endParaRPr lang="en-US" dirty="0"/>
           </a:p>
@@ -4280,7 +4225,7 @@
     </p:spTree>
     <p:extLst>
       <p:ext uri="{BB962C8B-B14F-4D97-AF65-F5344CB8AC3E}">
-        <p14:creationId xmlns:p14="http://schemas.microsoft.com/office/powerpoint/2010/main" val="3755244598"/>
+        <p14:creationId xmlns:p14="http://schemas.microsoft.com/office/powerpoint/2010/main" val="3499362859"/>
       </p:ext>
     </p:extLst>
   </p:cSld>
@@ -4319,7 +4264,7 @@
         </p:nvSpPr>
         <p:spPr>
           <a:xfrm>
-            <a:off x="809625" y="350838"/>
+            <a:off x="192405" y="190818"/>
             <a:ext cx="10515600" cy="744537"/>
           </a:xfrm>
         </p:spPr>
@@ -4331,26 +4276,173 @@
           <a:p>
             <a:r>
               <a:rPr lang="en-US" sz="3600" u="sng" dirty="0" smtClean="0"/>
-              <a:t>Next Steps</a:t>
+              <a:t>Food Stores vs Obesity </a:t>
+            </a:r>
+            <a:r>
+              <a:rPr lang="en-US" sz="3600" u="sng" dirty="0" err="1" smtClean="0"/>
+              <a:t>Pairplot</a:t>
             </a:r>
             <a:endParaRPr lang="en-US" sz="3600" u="sng" dirty="0"/>
           </a:p>
         </p:txBody>
       </p:sp>
-      <p:sp>
-        <p:nvSpPr>
-          <p:cNvPr id="3" name="Content Placeholder 2"/>
-          <p:cNvSpPr>
-            <a:spLocks noGrp="1"/>
-          </p:cNvSpPr>
-          <p:nvPr>
-            <p:ph idx="1"/>
-          </p:nvPr>
-        </p:nvSpPr>
-        <p:spPr>
-          <a:xfrm>
-            <a:off x="809625" y="1044529"/>
-            <a:ext cx="11582400" cy="5657850"/>
+      <p:pic>
+        <p:nvPicPr>
+          <p:cNvPr id="4" name="Picture 3"/>
+          <p:cNvPicPr>
+            <a:picLocks noChangeAspect="1"/>
+          </p:cNvPicPr>
+          <p:nvPr/>
+        </p:nvPicPr>
+        <p:blipFill>
+          <a:blip r:embed="rId2">
+            <a:extLst>
+              <a:ext uri="{28A0092B-C50C-407E-A947-70E740481C1C}">
+                <a14:useLocalDpi xmlns:a14="http://schemas.microsoft.com/office/drawing/2010/main" val="0"/>
+              </a:ext>
+            </a:extLst>
+          </a:blip>
+          <a:stretch>
+            <a:fillRect/>
+          </a:stretch>
+        </p:blipFill>
+        <p:spPr>
+          <a:xfrm>
+            <a:off x="192404" y="1036320"/>
+            <a:ext cx="7122795" cy="5631180"/>
+          </a:xfrm>
+          <a:prstGeom prst="rect">
+            <a:avLst/>
+          </a:prstGeom>
+        </p:spPr>
+      </p:pic>
+      <p:sp>
+        <p:nvSpPr>
+          <p:cNvPr id="6" name="Rectangle 5"/>
+          <p:cNvSpPr/>
+          <p:nvPr/>
+        </p:nvSpPr>
+        <p:spPr>
+          <a:xfrm>
+            <a:off x="192404" y="971550"/>
+            <a:ext cx="1704976" cy="5760720"/>
+          </a:xfrm>
+          <a:prstGeom prst="rect">
+            <a:avLst/>
+          </a:prstGeom>
+          <a:noFill/>
+          <a:ln w="38100">
+            <a:solidFill>
+              <a:srgbClr val="FF0000"/>
+            </a:solidFill>
+          </a:ln>
+        </p:spPr>
+        <p:style>
+          <a:lnRef idx="2">
+            <a:schemeClr val="dk1"/>
+          </a:lnRef>
+          <a:fillRef idx="1">
+            <a:schemeClr val="lt1"/>
+          </a:fillRef>
+          <a:effectRef idx="0">
+            <a:schemeClr val="dk1"/>
+          </a:effectRef>
+          <a:fontRef idx="minor">
+            <a:schemeClr val="dk1"/>
+          </a:fontRef>
+        </p:style>
+        <p:txBody>
+          <a:bodyPr rtlCol="0" anchor="ctr"/>
+          <a:lstStyle/>
+          <a:p>
+            <a:pPr algn="ctr"/>
+            <a:endParaRPr lang="en-US"/>
+          </a:p>
+        </p:txBody>
+      </p:sp>
+      <p:sp>
+        <p:nvSpPr>
+          <p:cNvPr id="7" name="TextBox 6"/>
+          <p:cNvSpPr txBox="1"/>
+          <p:nvPr/>
+        </p:nvSpPr>
+        <p:spPr>
+          <a:xfrm>
+            <a:off x="7376160" y="1135380"/>
+            <a:ext cx="4248150" cy="1477328"/>
+          </a:xfrm>
+          <a:prstGeom prst="rect">
+            <a:avLst/>
+          </a:prstGeom>
+          <a:noFill/>
+        </p:spPr>
+        <p:txBody>
+          <a:bodyPr wrap="square" rtlCol="0">
+            <a:spAutoFit/>
+          </a:bodyPr>
+          <a:lstStyle/>
+          <a:p>
+            <a:r>
+              <a:rPr lang="en-US" dirty="0" smtClean="0"/>
+              <a:t>Takeaway: No obvious linear correlation between Food Store availability per 1000 people and obesity rates.</a:t>
+            </a:r>
+          </a:p>
+          <a:p>
+            <a:endParaRPr lang="en-US" dirty="0"/>
+          </a:p>
+          <a:p>
+            <a:r>
+              <a:rPr lang="en-US" dirty="0" smtClean="0"/>
+              <a:t>Next Step: Decision tree analysis</a:t>
+            </a:r>
+            <a:endParaRPr lang="en-US" dirty="0"/>
+          </a:p>
+        </p:txBody>
+      </p:sp>
+    </p:spTree>
+    <p:extLst>
+      <p:ext uri="{BB962C8B-B14F-4D97-AF65-F5344CB8AC3E}">
+        <p14:creationId xmlns:p14="http://schemas.microsoft.com/office/powerpoint/2010/main" val="3755244598"/>
+      </p:ext>
+    </p:extLst>
+  </p:cSld>
+  <p:clrMapOvr>
+    <a:masterClrMapping/>
+  </p:clrMapOvr>
+</p:sld>
+</file>
+
+<file path=ppt/slides/slide9.xml><?xml version="1.0" encoding="utf-8"?>
+<p:sld xmlns:a="http://schemas.openxmlformats.org/drawingml/2006/main" xmlns:r="http://schemas.openxmlformats.org/officeDocument/2006/relationships" xmlns:p="http://schemas.openxmlformats.org/presentationml/2006/main">
+  <p:cSld>
+    <p:spTree>
+      <p:nvGrpSpPr>
+        <p:cNvPr id="1" name=""/>
+        <p:cNvGrpSpPr/>
+        <p:nvPr/>
+      </p:nvGrpSpPr>
+      <p:grpSpPr>
+        <a:xfrm>
+          <a:off x="0" y="0"/>
+          <a:ext cx="0" cy="0"/>
+          <a:chOff x="0" y="0"/>
+          <a:chExt cx="0" cy="0"/>
+        </a:xfrm>
+      </p:grpSpPr>
+      <p:sp>
+        <p:nvSpPr>
+          <p:cNvPr id="2" name="Title 1"/>
+          <p:cNvSpPr>
+            <a:spLocks noGrp="1"/>
+          </p:cNvSpPr>
+          <p:nvPr>
+            <p:ph type="title"/>
+          </p:nvPr>
+        </p:nvSpPr>
+        <p:spPr>
+          <a:xfrm>
+            <a:off x="809625" y="350838"/>
+            <a:ext cx="10515600" cy="744537"/>
           </a:xfrm>
         </p:spPr>
         <p:txBody>
@@ -4360,22 +4452,60 @@
           <a:lstStyle/>
           <a:p>
             <a:r>
+              <a:rPr lang="en-US" sz="3600" u="sng" dirty="0" smtClean="0"/>
+              <a:t>Insights</a:t>
+            </a:r>
+            <a:endParaRPr lang="en-US" sz="3600" u="sng" dirty="0"/>
+          </a:p>
+        </p:txBody>
+      </p:sp>
+      <p:sp>
+        <p:nvSpPr>
+          <p:cNvPr id="3" name="Content Placeholder 2"/>
+          <p:cNvSpPr>
+            <a:spLocks noGrp="1"/>
+          </p:cNvSpPr>
+          <p:nvPr>
+            <p:ph idx="1"/>
+          </p:nvPr>
+        </p:nvSpPr>
+        <p:spPr>
+          <a:xfrm>
+            <a:off x="809625" y="1044529"/>
+            <a:ext cx="11263313" cy="5657850"/>
+          </a:xfrm>
+        </p:spPr>
+        <p:txBody>
+          <a:bodyPr>
+            <a:normAutofit/>
+          </a:bodyPr>
+          <a:lstStyle/>
+          <a:p>
+            <a:r>
               <a:rPr lang="en-US" dirty="0" smtClean="0"/>
-              <a:t>Analyze the other data sets</a:t>
+              <a:t>It has been difficult to find any obvious correlation between the obesity rates in the US and the food factors</a:t>
             </a:r>
           </a:p>
           <a:p>
             <a:r>
               <a:rPr lang="en-US" dirty="0" smtClean="0"/>
-              <a:t>Utilize the other </a:t>
-            </a:r>
+              <a:t>Will try to add in a few more that I have available in the Food Security sheet and will see if race and health factors have any influence on the data</a:t>
+            </a:r>
+          </a:p>
+          <a:p>
             <a:r>
               <a:rPr lang="en-US" dirty="0" smtClean="0"/>
-              <a:t>regression </a:t>
-            </a:r>
+              <a:t>Still need to utilize </a:t>
+            </a:r>
+            <a:r>
+              <a:rPr lang="en-US" dirty="0"/>
+              <a:t>the other regression formulas on the current and future data sets</a:t>
+            </a:r>
+          </a:p>
+          <a:p>
             <a:r>
               <a:rPr lang="en-US" dirty="0" smtClean="0"/>
-              <a:t>formulas on the current and future data sets</a:t>
+              <a:t>Will try to find more data sets to see if I can find any other clear influences on Obesity Rates</a:t>
             </a:r>
             <a:endParaRPr lang="en-US" dirty="0"/>
           </a:p>
